--- a/発表用.pptx
+++ b/発表用.pptx
@@ -10,6 +10,7 @@
     <p:sldId id="260" r:id="rId4"/>
     <p:sldId id="258" r:id="rId5"/>
     <p:sldId id="259" r:id="rId6"/>
+    <p:sldId id="261" r:id="rId7"/>
   </p:sldIdLst>
   <p:sldSz cx="9144000" cy="6858000" type="screen4x3"/>
   <p:notesSz cx="6858000" cy="9144000"/>
@@ -108,6 +109,11 @@
       </a:defRPr>
     </a:lvl9pPr>
   </p:defaultTextStyle>
+  <p:extLst>
+    <p:ext uri="{EFAFB233-063F-42B5-8137-9DF3F51BA10A}">
+      <p15:sldGuideLst xmlns:p15="http://schemas.microsoft.com/office/powerpoint/2012/main"/>
+    </p:ext>
+  </p:extLst>
 </p:presentation>
 </file>
 
@@ -3305,7 +3311,19 @@
           <a:p>
             <a:r>
               <a:rPr kumimoji="1" lang="ja-JP" altLang="en-US" dirty="0" smtClean="0"/>
-              <a:t>１班</a:t>
+              <a:t>１</a:t>
+            </a:r>
+            <a:r>
+              <a:rPr kumimoji="1" lang="ja-JP" altLang="en-US" dirty="0" smtClean="0"/>
+              <a:t>班</a:t>
+            </a:r>
+            <a:r>
+              <a:rPr kumimoji="1" lang="en-US" altLang="ja-JP" smtClean="0"/>
+              <a:t>	</a:t>
+            </a:r>
+            <a:r>
+              <a:rPr kumimoji="1" lang="ja-JP" altLang="en-US" smtClean="0"/>
+              <a:t>プロジェクト マサヤ</a:t>
             </a:r>
             <a:endParaRPr kumimoji="1" lang="en-US" altLang="ja-JP" dirty="0" smtClean="0"/>
           </a:p>
@@ -4232,7 +4250,7 @@
         </p:spPr>
         <p:txBody>
           <a:bodyPr>
-            <a:normAutofit lnSpcReduction="10000"/>
+            <a:normAutofit fontScale="92500" lnSpcReduction="20000"/>
           </a:bodyPr>
           <a:lstStyle/>
           <a:p>
@@ -4273,7 +4291,37 @@
             </a:pPr>
             <a:r>
               <a:rPr lang="ja-JP" altLang="en-US" dirty="0" smtClean="0"/>
-              <a:t>　・バトルシーンのクオリティが残念でならない。</a:t>
+              <a:t>　</a:t>
+            </a:r>
+            <a:r>
+              <a:rPr lang="ja-JP" altLang="en-US" dirty="0" smtClean="0"/>
+              <a:t>・</a:t>
+            </a:r>
+            <a:r>
+              <a:rPr lang="ja-JP" altLang="en-US" dirty="0" err="1" smtClean="0"/>
+              <a:t>くっそ</a:t>
+            </a:r>
+            <a:r>
+              <a:rPr lang="ja-JP" altLang="en-US" dirty="0" smtClean="0"/>
+              <a:t>たのしいはずのバトルシーンの</a:t>
+            </a:r>
+            <a:endParaRPr lang="en-US" altLang="ja-JP" dirty="0" smtClean="0"/>
+          </a:p>
+          <a:p>
+            <a:pPr marL="0" indent="0">
+              <a:buNone/>
+            </a:pPr>
+            <a:r>
+              <a:rPr lang="ja-JP" altLang="en-US" dirty="0"/>
+              <a:t>　</a:t>
+            </a:r>
+            <a:r>
+              <a:rPr lang="ja-JP" altLang="en-US" dirty="0" smtClean="0"/>
+              <a:t>　</a:t>
+            </a:r>
+            <a:r>
+              <a:rPr lang="ja-JP" altLang="en-US" dirty="0" smtClean="0"/>
+              <a:t>クオリティが伸ばせなかった。</a:t>
             </a:r>
             <a:endParaRPr lang="en-US" altLang="ja-JP" dirty="0" smtClean="0"/>
           </a:p>
@@ -4624,33 +4672,15 @@
                                   </p:childTnLst>
                                 </p:cTn>
                               </p:par>
-                            </p:childTnLst>
-                          </p:cTn>
-                        </p:par>
-                      </p:childTnLst>
-                    </p:cTn>
-                  </p:par>
-                  <p:par>
-                    <p:cTn id="17" fill="hold">
-                      <p:stCondLst>
-                        <p:cond delay="indefinite"/>
-                      </p:stCondLst>
-                      <p:childTnLst>
-                        <p:par>
-                          <p:cTn id="18" fill="hold">
-                            <p:stCondLst>
-                              <p:cond delay="0"/>
-                            </p:stCondLst>
-                            <p:childTnLst>
                               <p:par>
-                                <p:cTn id="19" presetID="2" presetClass="entr" presetSubtype="4" fill="hold" nodeType="clickEffect">
+                                <p:cTn id="17" presetID="2" presetClass="entr" presetSubtype="4" fill="hold" nodeType="withEffect">
                                   <p:stCondLst>
                                     <p:cond delay="0"/>
                                   </p:stCondLst>
                                   <p:childTnLst>
                                     <p:set>
                                       <p:cBhvr>
-                                        <p:cTn id="20" dur="1" fill="hold">
+                                        <p:cTn id="18" dur="1" fill="hold">
                                           <p:stCondLst>
                                             <p:cond delay="0"/>
                                           </p:stCondLst>
@@ -4658,7 +4688,7 @@
                                         <p:tgtEl>
                                           <p:spTgt spid="3">
                                             <p:txEl>
-                                              <p:pRg st="4" end="4"/>
+                                              <p:pRg st="3" end="3"/>
                                             </p:txEl>
                                           </p:spTgt>
                                         </p:tgtEl>
@@ -4672,11 +4702,11 @@
                                     </p:set>
                                     <p:anim calcmode="lin" valueType="num">
                                       <p:cBhvr additive="base">
-                                        <p:cTn id="21" dur="500" fill="hold"/>
+                                        <p:cTn id="19" dur="500" fill="hold"/>
                                         <p:tgtEl>
                                           <p:spTgt spid="3">
                                             <p:txEl>
-                                              <p:pRg st="4" end="4"/>
+                                              <p:pRg st="3" end="3"/>
                                             </p:txEl>
                                           </p:spTgt>
                                         </p:tgtEl>
@@ -4699,11 +4729,11 @@
                                     </p:anim>
                                     <p:anim calcmode="lin" valueType="num">
                                       <p:cBhvr additive="base">
-                                        <p:cTn id="22" dur="500" fill="hold"/>
+                                        <p:cTn id="20" dur="500" fill="hold"/>
                                         <p:tgtEl>
                                           <p:spTgt spid="3">
                                             <p:txEl>
-                                              <p:pRg st="4" end="4"/>
+                                              <p:pRg st="3" end="3"/>
                                             </p:txEl>
                                           </p:spTgt>
                                         </p:tgtEl>
@@ -4727,8 +4757,26 @@
                                   </p:childTnLst>
                                 </p:cTn>
                               </p:par>
+                            </p:childTnLst>
+                          </p:cTn>
+                        </p:par>
+                      </p:childTnLst>
+                    </p:cTn>
+                  </p:par>
+                  <p:par>
+                    <p:cTn id="21" fill="hold">
+                      <p:stCondLst>
+                        <p:cond delay="indefinite"/>
+                      </p:stCondLst>
+                      <p:childTnLst>
+                        <p:par>
+                          <p:cTn id="22" fill="hold">
+                            <p:stCondLst>
+                              <p:cond delay="0"/>
+                            </p:stCondLst>
+                            <p:childTnLst>
                               <p:par>
-                                <p:cTn id="23" presetID="2" presetClass="entr" presetSubtype="4" fill="hold" nodeType="withEffect">
+                                <p:cTn id="23" presetID="2" presetClass="entr" presetSubtype="4" fill="hold" nodeType="clickEffect">
                                   <p:stCondLst>
                                     <p:cond delay="0"/>
                                   </p:stCondLst>
@@ -4812,33 +4860,15 @@
                                   </p:childTnLst>
                                 </p:cTn>
                               </p:par>
-                            </p:childTnLst>
-                          </p:cTn>
-                        </p:par>
-                      </p:childTnLst>
-                    </p:cTn>
-                  </p:par>
-                  <p:par>
-                    <p:cTn id="27" fill="hold">
-                      <p:stCondLst>
-                        <p:cond delay="indefinite"/>
-                      </p:stCondLst>
-                      <p:childTnLst>
-                        <p:par>
-                          <p:cTn id="28" fill="hold">
-                            <p:stCondLst>
-                              <p:cond delay="0"/>
-                            </p:stCondLst>
-                            <p:childTnLst>
                               <p:par>
-                                <p:cTn id="29" presetID="2" presetClass="entr" presetSubtype="4" fill="hold" nodeType="clickEffect">
+                                <p:cTn id="27" presetID="2" presetClass="entr" presetSubtype="4" fill="hold" nodeType="withEffect">
                                   <p:stCondLst>
                                     <p:cond delay="0"/>
                                   </p:stCondLst>
                                   <p:childTnLst>
                                     <p:set>
                                       <p:cBhvr>
-                                        <p:cTn id="30" dur="1" fill="hold">
+                                        <p:cTn id="28" dur="1" fill="hold">
                                           <p:stCondLst>
                                             <p:cond delay="0"/>
                                           </p:stCondLst>
@@ -4846,7 +4876,7 @@
                                         <p:tgtEl>
                                           <p:spTgt spid="3">
                                             <p:txEl>
-                                              <p:pRg st="7" end="7"/>
+                                              <p:pRg st="6" end="6"/>
                                             </p:txEl>
                                           </p:spTgt>
                                         </p:tgtEl>
@@ -4860,11 +4890,11 @@
                                     </p:set>
                                     <p:anim calcmode="lin" valueType="num">
                                       <p:cBhvr additive="base">
-                                        <p:cTn id="31" dur="500" fill="hold"/>
+                                        <p:cTn id="29" dur="500" fill="hold"/>
                                         <p:tgtEl>
                                           <p:spTgt spid="3">
                                             <p:txEl>
-                                              <p:pRg st="7" end="7"/>
+                                              <p:pRg st="6" end="6"/>
                                             </p:txEl>
                                           </p:spTgt>
                                         </p:tgtEl>
@@ -4887,11 +4917,11 @@
                                     </p:anim>
                                     <p:anim calcmode="lin" valueType="num">
                                       <p:cBhvr additive="base">
-                                        <p:cTn id="32" dur="500" fill="hold"/>
+                                        <p:cTn id="30" dur="500" fill="hold"/>
                                         <p:tgtEl>
                                           <p:spTgt spid="3">
                                             <p:txEl>
-                                              <p:pRg st="7" end="7"/>
+                                              <p:pRg st="6" end="6"/>
                                             </p:txEl>
                                           </p:spTgt>
                                         </p:tgtEl>
@@ -4915,8 +4945,26 @@
                                   </p:childTnLst>
                                 </p:cTn>
                               </p:par>
+                            </p:childTnLst>
+                          </p:cTn>
+                        </p:par>
+                      </p:childTnLst>
+                    </p:cTn>
+                  </p:par>
+                  <p:par>
+                    <p:cTn id="31" fill="hold">
+                      <p:stCondLst>
+                        <p:cond delay="indefinite"/>
+                      </p:stCondLst>
+                      <p:childTnLst>
+                        <p:par>
+                          <p:cTn id="32" fill="hold">
+                            <p:stCondLst>
+                              <p:cond delay="0"/>
+                            </p:stCondLst>
+                            <p:childTnLst>
                               <p:par>
-                                <p:cTn id="33" presetID="2" presetClass="entr" presetSubtype="4" fill="hold" nodeType="withEffect">
+                                <p:cTn id="33" presetID="2" presetClass="entr" presetSubtype="4" fill="hold" nodeType="clickEffect">
                                   <p:stCondLst>
                                     <p:cond delay="0"/>
                                   </p:stCondLst>
@@ -5000,6 +5048,91 @@
                                   </p:childTnLst>
                                 </p:cTn>
                               </p:par>
+                              <p:par>
+                                <p:cTn id="37" presetID="2" presetClass="entr" presetSubtype="4" fill="hold" nodeType="withEffect">
+                                  <p:stCondLst>
+                                    <p:cond delay="0"/>
+                                  </p:stCondLst>
+                                  <p:childTnLst>
+                                    <p:set>
+                                      <p:cBhvr>
+                                        <p:cTn id="38" dur="1" fill="hold">
+                                          <p:stCondLst>
+                                            <p:cond delay="0"/>
+                                          </p:stCondLst>
+                                        </p:cTn>
+                                        <p:tgtEl>
+                                          <p:spTgt spid="3">
+                                            <p:txEl>
+                                              <p:pRg st="9" end="9"/>
+                                            </p:txEl>
+                                          </p:spTgt>
+                                        </p:tgtEl>
+                                        <p:attrNameLst>
+                                          <p:attrName>style.visibility</p:attrName>
+                                        </p:attrNameLst>
+                                      </p:cBhvr>
+                                      <p:to>
+                                        <p:strVal val="visible"/>
+                                      </p:to>
+                                    </p:set>
+                                    <p:anim calcmode="lin" valueType="num">
+                                      <p:cBhvr additive="base">
+                                        <p:cTn id="39" dur="500" fill="hold"/>
+                                        <p:tgtEl>
+                                          <p:spTgt spid="3">
+                                            <p:txEl>
+                                              <p:pRg st="9" end="9"/>
+                                            </p:txEl>
+                                          </p:spTgt>
+                                        </p:tgtEl>
+                                        <p:attrNameLst>
+                                          <p:attrName>ppt_x</p:attrName>
+                                        </p:attrNameLst>
+                                      </p:cBhvr>
+                                      <p:tavLst>
+                                        <p:tav tm="0">
+                                          <p:val>
+                                            <p:strVal val="#ppt_x"/>
+                                          </p:val>
+                                        </p:tav>
+                                        <p:tav tm="100000">
+                                          <p:val>
+                                            <p:strVal val="#ppt_x"/>
+                                          </p:val>
+                                        </p:tav>
+                                      </p:tavLst>
+                                    </p:anim>
+                                    <p:anim calcmode="lin" valueType="num">
+                                      <p:cBhvr additive="base">
+                                        <p:cTn id="40" dur="500" fill="hold"/>
+                                        <p:tgtEl>
+                                          <p:spTgt spid="3">
+                                            <p:txEl>
+                                              <p:pRg st="9" end="9"/>
+                                            </p:txEl>
+                                          </p:spTgt>
+                                        </p:tgtEl>
+                                        <p:attrNameLst>
+                                          <p:attrName>ppt_y</p:attrName>
+                                        </p:attrNameLst>
+                                      </p:cBhvr>
+                                      <p:tavLst>
+                                        <p:tav tm="0">
+                                          <p:val>
+                                            <p:strVal val="1+#ppt_h/2"/>
+                                          </p:val>
+                                        </p:tav>
+                                        <p:tav tm="100000">
+                                          <p:val>
+                                            <p:strVal val="#ppt_y"/>
+                                          </p:val>
+                                        </p:tav>
+                                      </p:tavLst>
+                                    </p:anim>
+                                  </p:childTnLst>
+                                </p:cTn>
+                              </p:par>
                             </p:childTnLst>
                           </p:cTn>
                         </p:par>
@@ -5028,6 +5161,65 @@
       </p:par>
     </p:tnLst>
   </p:timing>
+</p:sld>
+</file>
+
+<file path=ppt/slides/slide6.xml><?xml version="1.0" encoding="utf-8"?>
+<p:sld xmlns:a="http://schemas.openxmlformats.org/drawingml/2006/main" xmlns:r="http://schemas.openxmlformats.org/officeDocument/2006/relationships" xmlns:p="http://schemas.openxmlformats.org/presentationml/2006/main">
+  <p:cSld>
+    <p:spTree>
+      <p:nvGrpSpPr>
+        <p:cNvPr id="1" name=""/>
+        <p:cNvGrpSpPr/>
+        <p:nvPr/>
+      </p:nvGrpSpPr>
+      <p:grpSpPr>
+        <a:xfrm>
+          <a:off x="0" y="0"/>
+          <a:ext cx="0" cy="0"/>
+          <a:chOff x="0" y="0"/>
+          <a:chExt cx="0" cy="0"/>
+        </a:xfrm>
+      </p:grpSpPr>
+      <p:sp>
+        <p:nvSpPr>
+          <p:cNvPr id="2" name="タイトル 1"/>
+          <p:cNvSpPr>
+            <a:spLocks noGrp="1"/>
+          </p:cNvSpPr>
+          <p:nvPr>
+            <p:ph type="title"/>
+          </p:nvPr>
+        </p:nvSpPr>
+        <p:spPr>
+          <a:xfrm>
+            <a:off x="628650" y="2504477"/>
+            <a:ext cx="7886700" cy="1325563"/>
+          </a:xfrm>
+        </p:spPr>
+        <p:txBody>
+          <a:bodyPr/>
+          <a:lstStyle/>
+          <a:p>
+            <a:pPr algn="ctr"/>
+            <a:r>
+              <a:rPr kumimoji="1" lang="ja-JP" altLang="en-US" dirty="0" smtClean="0"/>
+              <a:t>ありがとうございました</a:t>
+            </a:r>
+            <a:endParaRPr kumimoji="1" lang="ja-JP" altLang="en-US" dirty="0"/>
+          </a:p>
+        </p:txBody>
+      </p:sp>
+    </p:spTree>
+    <p:extLst>
+      <p:ext uri="{BB962C8B-B14F-4D97-AF65-F5344CB8AC3E}">
+        <p14:creationId xmlns:p14="http://schemas.microsoft.com/office/powerpoint/2010/main" val="13275095"/>
+      </p:ext>
+    </p:extLst>
+  </p:cSld>
+  <p:clrMapOvr>
+    <a:masterClrMapping/>
+  </p:clrMapOvr>
 </p:sld>
 </file>
 
